--- a/5.Crypto/Cryptology4-Public-Key-Intro-RSA.pptx
+++ b/5.Crypto/Cryptology4-Public-Key-Intro-RSA.pptx
@@ -214,7 +214,7 @@
           <a:p>
             <a:fld id="{2AC0D433-9248-46F4-9682-6CC4E8F4FBC6}" type="datetimeFigureOut">
               <a:rPr lang="en-US" smtClean="0"/>
-              <a:t>2/20/2020</a:t>
+              <a:t>11/25/2020</a:t>
             </a:fld>
             <a:endParaRPr lang="en-US"/>
           </a:p>
@@ -2659,7 +2659,7 @@
           <a:p>
             <a:fld id="{C3E06BAD-05F5-44A9-B5C5-B831AE20BFF1}" type="datetimeFigureOut">
               <a:rPr lang="en-US" smtClean="0"/>
-              <a:t>2/20/2020</a:t>
+              <a:t>11/25/2020</a:t>
             </a:fld>
             <a:endParaRPr lang="en-US"/>
           </a:p>
@@ -2857,7 +2857,7 @@
           <a:p>
             <a:fld id="{C3E06BAD-05F5-44A9-B5C5-B831AE20BFF1}" type="datetimeFigureOut">
               <a:rPr lang="en-US" smtClean="0"/>
-              <a:t>2/20/2020</a:t>
+              <a:t>11/25/2020</a:t>
             </a:fld>
             <a:endParaRPr lang="en-US"/>
           </a:p>
@@ -3065,7 +3065,7 @@
           <a:p>
             <a:fld id="{C3E06BAD-05F5-44A9-B5C5-B831AE20BFF1}" type="datetimeFigureOut">
               <a:rPr lang="en-US" smtClean="0"/>
-              <a:t>2/20/2020</a:t>
+              <a:t>11/25/2020</a:t>
             </a:fld>
             <a:endParaRPr lang="en-US"/>
           </a:p>
@@ -3263,7 +3263,7 @@
           <a:p>
             <a:fld id="{C3E06BAD-05F5-44A9-B5C5-B831AE20BFF1}" type="datetimeFigureOut">
               <a:rPr lang="en-US" smtClean="0"/>
-              <a:t>2/20/2020</a:t>
+              <a:t>11/25/2020</a:t>
             </a:fld>
             <a:endParaRPr lang="en-US"/>
           </a:p>
@@ -3538,7 +3538,7 @@
           <a:p>
             <a:fld id="{C3E06BAD-05F5-44A9-B5C5-B831AE20BFF1}" type="datetimeFigureOut">
               <a:rPr lang="en-US" smtClean="0"/>
-              <a:t>2/20/2020</a:t>
+              <a:t>11/25/2020</a:t>
             </a:fld>
             <a:endParaRPr lang="en-US"/>
           </a:p>
@@ -3803,7 +3803,7 @@
           <a:p>
             <a:fld id="{C3E06BAD-05F5-44A9-B5C5-B831AE20BFF1}" type="datetimeFigureOut">
               <a:rPr lang="en-US" smtClean="0"/>
-              <a:t>2/20/2020</a:t>
+              <a:t>11/25/2020</a:t>
             </a:fld>
             <a:endParaRPr lang="en-US"/>
           </a:p>
@@ -4215,7 +4215,7 @@
           <a:p>
             <a:fld id="{C3E06BAD-05F5-44A9-B5C5-B831AE20BFF1}" type="datetimeFigureOut">
               <a:rPr lang="en-US" smtClean="0"/>
-              <a:t>2/20/2020</a:t>
+              <a:t>11/25/2020</a:t>
             </a:fld>
             <a:endParaRPr lang="en-US"/>
           </a:p>
@@ -4356,7 +4356,7 @@
           <a:p>
             <a:fld id="{C3E06BAD-05F5-44A9-B5C5-B831AE20BFF1}" type="datetimeFigureOut">
               <a:rPr lang="en-US" smtClean="0"/>
-              <a:t>2/20/2020</a:t>
+              <a:t>11/25/2020</a:t>
             </a:fld>
             <a:endParaRPr lang="en-US"/>
           </a:p>
@@ -4469,7 +4469,7 @@
           <a:p>
             <a:fld id="{C3E06BAD-05F5-44A9-B5C5-B831AE20BFF1}" type="datetimeFigureOut">
               <a:rPr lang="en-US" smtClean="0"/>
-              <a:t>2/20/2020</a:t>
+              <a:t>11/25/2020</a:t>
             </a:fld>
             <a:endParaRPr lang="en-US"/>
           </a:p>
@@ -4780,7 +4780,7 @@
           <a:p>
             <a:fld id="{C3E06BAD-05F5-44A9-B5C5-B831AE20BFF1}" type="datetimeFigureOut">
               <a:rPr lang="en-US" smtClean="0"/>
-              <a:t>2/20/2020</a:t>
+              <a:t>11/25/2020</a:t>
             </a:fld>
             <a:endParaRPr lang="en-US"/>
           </a:p>
@@ -5068,7 +5068,7 @@
           <a:p>
             <a:fld id="{C3E06BAD-05F5-44A9-B5C5-B831AE20BFF1}" type="datetimeFigureOut">
               <a:rPr lang="en-US" smtClean="0"/>
-              <a:t>2/20/2020</a:t>
+              <a:t>11/25/2020</a:t>
             </a:fld>
             <a:endParaRPr lang="en-US"/>
           </a:p>
@@ -5309,7 +5309,7 @@
           <a:p>
             <a:fld id="{C3E06BAD-05F5-44A9-B5C5-B831AE20BFF1}" type="datetimeFigureOut">
               <a:rPr lang="en-US" smtClean="0"/>
-              <a:t>2/20/2020</a:t>
+              <a:t>11/25/2020</a:t>
             </a:fld>
             <a:endParaRPr lang="en-US"/>
           </a:p>
@@ -5903,7 +5903,7 @@
         </p:spPr>
         <p:txBody>
           <a:bodyPr>
-            <a:normAutofit lnSpcReduction="10000"/>
+            <a:normAutofit/>
           </a:bodyPr>
           <a:lstStyle/>
           <a:p>
@@ -5938,37 +5938,21 @@
             </a:r>
             <a:r>
               <a:rPr lang="en-US" dirty="0"/>
-              <a:t>(n) = lcm((p – 1)(q – 1))</a:t>
+              <a:t> = lcm((p – 1)(q – 1))</a:t>
             </a:r>
           </a:p>
           <a:p>
             <a:pPr lvl="1"/>
             <a:r>
               <a:rPr lang="en-US" b="0" dirty="0"/>
-              <a:t>Choose exponent, e, </a:t>
-            </a:r>
-            <a:r>
-              <a:rPr lang="en-US" b="0"/>
-              <a:t>for public </a:t>
-            </a:r>
+              <a:t>Choose exponent, e, for public key</a:t>
+            </a:r>
+          </a:p>
+          <a:p>
+            <a:pPr lvl="1"/>
             <a:r>
               <a:rPr lang="en-US" b="0" dirty="0"/>
-              <a:t>key</a:t>
-            </a:r>
-          </a:p>
-          <a:p>
-            <a:pPr lvl="1"/>
-            <a:r>
-              <a:rPr lang="en-US" b="0" dirty="0"/>
-              <a:t>Make sure that </a:t>
-            </a:r>
-            <a:r>
-              <a:rPr lang="en-US" b="0" dirty="0" err="1"/>
-              <a:t>gcd</a:t>
-            </a:r>
-            <a:r>
-              <a:rPr lang="en-US" b="0" dirty="0"/>
-              <a:t>(e, </a:t>
+              <a:t>Make sure that GCD(e, </a:t>
             </a:r>
             <a:r>
               <a:rPr lang="el-GR" dirty="0"/>
@@ -5976,7 +5960,7 @@
             </a:r>
             <a:r>
               <a:rPr lang="en-US" dirty="0"/>
-              <a:t>(n) ) = 1</a:t>
+              <a:t> ) = 1</a:t>
             </a:r>
             <a:endParaRPr lang="en-US" b="0" dirty="0"/>
           </a:p>
@@ -5997,10 +5981,7 @@
               <a:rPr lang="el-GR" dirty="0"/>
               <a:t>Λ</a:t>
             </a:r>
-            <a:r>
-              <a:rPr lang="en-US" b="1" dirty="0"/>
-              <a:t>(n)</a:t>
-            </a:r>
+            <a:endParaRPr lang="en-US" b="1" dirty="0"/>
           </a:p>
           <a:p>
             <a:pPr lvl="1"/>
@@ -6020,7 +6001,7 @@
             <a:pPr lvl="1"/>
             <a:r>
               <a:rPr lang="en-US" b="0" dirty="0"/>
-              <a:t>Private key, p, q, </a:t>
+              <a:t>p, q, </a:t>
             </a:r>
             <a:r>
               <a:rPr lang="el-GR" dirty="0"/>
@@ -6028,7 +6009,7 @@
             </a:r>
             <a:r>
               <a:rPr lang="en-US" dirty="0"/>
-              <a:t>(n),</a:t>
+              <a:t>,</a:t>
             </a:r>
             <a:r>
               <a:rPr lang="en-US" b="0" dirty="0"/>
@@ -6090,7 +6071,7 @@
             </a:r>
             <a:r>
               <a:rPr lang="en-US" sz="2800" dirty="0"/>
-              <a:t>(n) depends on p and q</a:t>
+              <a:t> depends on p and q</a:t>
             </a:r>
           </a:p>
           <a:p>
@@ -6108,7 +6089,7 @@
             </a:r>
             <a:r>
               <a:rPr lang="en-US" sz="2800" dirty="0"/>
-              <a:t>(n) to compute inverse of e</a:t>
+              <a:t> to compute inverse of e</a:t>
             </a:r>
           </a:p>
           <a:p>
@@ -6154,7 +6135,7 @@
             </a:r>
             <a:r>
               <a:rPr lang="en-US" sz="2000" dirty="0"/>
-              <a:t>(n)=(p-1)(q-1) instead of </a:t>
+              <a:t> = (p-1)(q-1) instead of </a:t>
             </a:r>
             <a:r>
               <a:rPr lang="el-GR" sz="2000" dirty="0"/>
@@ -6348,89 +6329,90 @@
       </p:sp>
       <p:sp>
         <p:nvSpPr>
-          <p:cNvPr id="5" name="TextBox 4">
-            <a:extLst>
-              <a:ext uri="{FF2B5EF4-FFF2-40B4-BE49-F238E27FC236}">
-                <a16:creationId xmlns:a16="http://schemas.microsoft.com/office/drawing/2014/main" id="{54288C8A-714E-4AD8-817A-3068DB93EA07}"/>
-              </a:ext>
-            </a:extLst>
-          </p:cNvPr>
-          <p:cNvSpPr txBox="1"/>
-          <p:nvPr/>
+          <p:cNvPr id="3" name="Content Placeholder 2">
+            <a:extLst>
+              <a:ext uri="{FF2B5EF4-FFF2-40B4-BE49-F238E27FC236}">
+                <a16:creationId xmlns:a16="http://schemas.microsoft.com/office/drawing/2014/main" id="{05228684-6B4D-4571-8721-478A0D97797B}"/>
+              </a:ext>
+            </a:extLst>
+          </p:cNvPr>
+          <p:cNvSpPr>
+            <a:spLocks noGrp="1"/>
+          </p:cNvSpPr>
+          <p:nvPr>
+            <p:ph idx="1"/>
+          </p:nvPr>
         </p:nvSpPr>
         <p:spPr>
           <a:xfrm>
-            <a:off x="246647" y="5305926"/>
-            <a:ext cx="11393905" cy="1200329"/>
+            <a:off x="5943600" y="1690688"/>
+            <a:ext cx="5410200" cy="4132596"/>
           </a:xfrm>
-          <a:prstGeom prst="rect">
-            <a:avLst/>
-          </a:prstGeom>
-          <a:noFill/>
         </p:spPr>
         <p:txBody>
-          <a:bodyPr wrap="square" rtlCol="0">
-            <a:spAutoFit/>
-          </a:bodyPr>
-          <a:lstStyle/>
-          <a:p>
-            <a:r>
-              <a:rPr lang="en-US" dirty="0" err="1"/>
-              <a:t>cryptomath</a:t>
-            </a:r>
-            <a:r>
-              <a:rPr lang="en-US" dirty="0"/>
-              <a:t> from </a:t>
-            </a:r>
-            <a:r>
-              <a:rPr lang="en-US" dirty="0">
-                <a:hlinkClick r:id="rId3"/>
-              </a:rPr>
-              <a:t>https://nostarch.com/crackingcodes/</a:t>
-            </a:r>
-            <a:endParaRPr lang="en-US" dirty="0"/>
-          </a:p>
-          <a:p>
-            <a:r>
-              <a:rPr lang="en-US" dirty="0">
-                <a:hlinkClick r:id="rId4"/>
-              </a:rPr>
-              <a:t>https://nostarch.com/download/CrackingCodesFiles.zip</a:t>
-            </a:r>
-            <a:endParaRPr lang="en-US" dirty="0"/>
-          </a:p>
-          <a:p>
-            <a:r>
-              <a:rPr lang="en-US" dirty="0" err="1"/>
-              <a:t>gcd</a:t>
-            </a:r>
-            <a:r>
-              <a:rPr lang="en-US" dirty="0"/>
-              <a:t> is also available in the Pythons module fractions</a:t>
-            </a:r>
-          </a:p>
-          <a:p>
-            <a:r>
-              <a:rPr lang="en-US" dirty="0"/>
-              <a:t>lcm(a, b) is just a*b/</a:t>
-            </a:r>
-            <a:r>
-              <a:rPr lang="en-US" dirty="0" err="1"/>
-              <a:t>gcd</a:t>
-            </a:r>
-            <a:r>
-              <a:rPr lang="en-US" dirty="0"/>
-              <a:t>(a, b)</a:t>
+          <a:bodyPr/>
+          <a:lstStyle/>
+          <a:p>
+            <a:r>
+              <a:rPr lang="en-US" dirty="0"/>
+              <a:t>Alice creates her keys</a:t>
+            </a:r>
+          </a:p>
+          <a:p>
+            <a:pPr lvl="1"/>
+            <a:r>
+              <a:rPr lang="en-US" dirty="0"/>
+              <a:t>(small numbers, not secure)</a:t>
+            </a:r>
+          </a:p>
+          <a:p>
+            <a:pPr lvl="1"/>
+            <a:r>
+              <a:rPr lang="en-US" dirty="0"/>
+              <a:t>n = p * q = 1457</a:t>
+            </a:r>
+          </a:p>
+          <a:p>
+            <a:pPr lvl="1"/>
+            <a:r>
+              <a:rPr lang="en-US" dirty="0"/>
+              <a:t>e = 341, d = 431</a:t>
+            </a:r>
+          </a:p>
+          <a:p>
+            <a:r>
+              <a:rPr lang="en-US" dirty="0"/>
+              <a:t>Public key</a:t>
+            </a:r>
+          </a:p>
+          <a:p>
+            <a:pPr lvl="1"/>
+            <a:r>
+              <a:rPr lang="en-US" dirty="0"/>
+              <a:t>1457, 341	[n, e]</a:t>
+            </a:r>
+          </a:p>
+          <a:p>
+            <a:r>
+              <a:rPr lang="en-US" dirty="0"/>
+              <a:t>Private key</a:t>
+            </a:r>
+          </a:p>
+          <a:p>
+            <a:pPr lvl="1"/>
+            <a:r>
+              <a:rPr lang="en-US" dirty="0"/>
+              <a:t>1457, 431	[n, d]</a:t>
             </a:r>
           </a:p>
         </p:txBody>
       </p:sp>
       <p:pic>
         <p:nvPicPr>
-          <p:cNvPr id="7" name="Picture 6">
-            <a:extLst>
-              <a:ext uri="{FF2B5EF4-FFF2-40B4-BE49-F238E27FC236}">
-                <a16:creationId xmlns:a16="http://schemas.microsoft.com/office/drawing/2014/main" id="{CBF286ED-6A10-4BF7-85C9-5B4BEBA68719}"/>
+          <p:cNvPr id="4" name="Picture 3">
+            <a:extLst>
+              <a:ext uri="{FF2B5EF4-FFF2-40B4-BE49-F238E27FC236}">
+                <a16:creationId xmlns:a16="http://schemas.microsoft.com/office/drawing/2014/main" id="{B1B914BA-28A5-4B10-8C18-3973177DC71A}"/>
               </a:ext>
             </a:extLst>
           </p:cNvPr>
@@ -6440,101 +6422,21 @@
           <p:nvPr/>
         </p:nvPicPr>
         <p:blipFill>
-          <a:blip r:embed="rId5"/>
+          <a:blip r:embed="rId3"/>
           <a:stretch>
             <a:fillRect/>
           </a:stretch>
         </p:blipFill>
         <p:spPr>
           <a:xfrm>
-            <a:off x="838200" y="1690688"/>
-            <a:ext cx="5634624" cy="3046412"/>
+            <a:off x="718184" y="1690688"/>
+            <a:ext cx="5277243" cy="3096465"/>
           </a:xfrm>
           <a:prstGeom prst="rect">
             <a:avLst/>
           </a:prstGeom>
         </p:spPr>
       </p:pic>
-      <p:sp>
-        <p:nvSpPr>
-          <p:cNvPr id="3" name="Content Placeholder 2">
-            <a:extLst>
-              <a:ext uri="{FF2B5EF4-FFF2-40B4-BE49-F238E27FC236}">
-                <a16:creationId xmlns:a16="http://schemas.microsoft.com/office/drawing/2014/main" id="{05228684-6B4D-4571-8721-478A0D97797B}"/>
-              </a:ext>
-            </a:extLst>
-          </p:cNvPr>
-          <p:cNvSpPr>
-            <a:spLocks noGrp="1"/>
-          </p:cNvSpPr>
-          <p:nvPr>
-            <p:ph idx="1"/>
-          </p:nvPr>
-        </p:nvSpPr>
-        <p:spPr>
-          <a:xfrm>
-            <a:off x="5943600" y="1690688"/>
-            <a:ext cx="5410200" cy="4132596"/>
-          </a:xfrm>
-        </p:spPr>
-        <p:txBody>
-          <a:bodyPr/>
-          <a:lstStyle/>
-          <a:p>
-            <a:r>
-              <a:rPr lang="en-US" dirty="0"/>
-              <a:t>Alice creates her keys</a:t>
-            </a:r>
-          </a:p>
-          <a:p>
-            <a:pPr lvl="1"/>
-            <a:r>
-              <a:rPr lang="en-US" dirty="0"/>
-              <a:t>(numbers are too small to be secure)</a:t>
-            </a:r>
-          </a:p>
-          <a:p>
-            <a:pPr lvl="1"/>
-            <a:r>
-              <a:rPr lang="en-US" dirty="0"/>
-              <a:t>n = p * q = 1457</a:t>
-            </a:r>
-          </a:p>
-          <a:p>
-            <a:pPr lvl="1"/>
-            <a:r>
-              <a:rPr lang="en-US" dirty="0"/>
-              <a:t>e = 341, d = 341  mod 1457</a:t>
-            </a:r>
-          </a:p>
-          <a:p>
-            <a:r>
-              <a:rPr lang="en-US" dirty="0"/>
-              <a:t>Public key</a:t>
-            </a:r>
-          </a:p>
-          <a:p>
-            <a:pPr lvl="1"/>
-            <a:r>
-              <a:rPr lang="en-US" dirty="0"/>
-              <a:t>1457, 341	[n, e]</a:t>
-            </a:r>
-          </a:p>
-          <a:p>
-            <a:r>
-              <a:rPr lang="en-US" dirty="0"/>
-              <a:t>Private key</a:t>
-            </a:r>
-          </a:p>
-          <a:p>
-            <a:pPr lvl="1"/>
-            <a:r>
-              <a:rPr lang="en-US" dirty="0"/>
-              <a:t>1457, 431	[n, d]</a:t>
-            </a:r>
-          </a:p>
-        </p:txBody>
-      </p:sp>
     </p:spTree>
     <p:extLst>
       <p:ext uri="{BB962C8B-B14F-4D97-AF65-F5344CB8AC3E}">
@@ -7322,7 +7224,7 @@
             <a:pPr lvl="1"/>
             <a:r>
               <a:rPr lang="en-US" dirty="0"/>
-              <a:t>Alice and Bob both have the same key, each say they didn’t send the message with the contract, bill, etc.</a:t>
+              <a:t>Alice and Bob both have the same key, each can say the other person sent the message with the contract, bill, etc.</a:t>
             </a:r>
           </a:p>
           <a:p>
@@ -7462,6 +7364,19 @@
           <a:p>
             <a:r>
               <a:rPr lang="en-US" dirty="0"/>
+              <a:t>Encryption</a:t>
+            </a:r>
+          </a:p>
+          <a:p>
+            <a:pPr lvl="1"/>
+            <a:r>
+              <a:rPr lang="en-US" dirty="0"/>
+              <a:t>data encrypted with my public key can only be decrypted with my private key</a:t>
+            </a:r>
+          </a:p>
+          <a:p>
+            <a:r>
+              <a:rPr lang="en-US" dirty="0"/>
               <a:t>Non-repudiation</a:t>
             </a:r>
           </a:p>
@@ -7490,19 +7405,6 @@
             <a:r>
               <a:rPr lang="en-US" dirty="0"/>
               <a:t>encrypt data with private key to prove who I am</a:t>
-            </a:r>
-          </a:p>
-          <a:p>
-            <a:r>
-              <a:rPr lang="en-US" dirty="0"/>
-              <a:t>Encryption</a:t>
-            </a:r>
-          </a:p>
-          <a:p>
-            <a:pPr lvl="1"/>
-            <a:r>
-              <a:rPr lang="en-US" dirty="0"/>
-              <a:t>data encrypted with my public key can only be decrypted with my private key</a:t>
             </a:r>
           </a:p>
         </p:txBody>
@@ -8198,17 +8100,17 @@
             </a:r>
           </a:p>
           <a:p>
+            <a:pPr lvl="2"/>
+            <a:r>
+              <a:rPr lang="en-US" dirty="0"/>
+              <a:t>Would take 1500 years on a single AMD 2.2 GHz Opteron CPU</a:t>
+            </a:r>
+          </a:p>
+          <a:p>
             <a:pPr lvl="1"/>
             <a:r>
               <a:rPr lang="en-US" dirty="0"/>
-              <a:t>Would take 1500 years on a single AMD 2.2 GHz Opteron CPU</a:t>
-            </a:r>
-          </a:p>
-          <a:p>
-            <a:pPr lvl="1"/>
-            <a:r>
-              <a:rPr lang="en-US" dirty="0"/>
-              <a:t>1024 bit integers may soon be in range of large scale computing</a:t>
+              <a:t>1024 bit integers may soon be in range of large-scale computing</a:t>
             </a:r>
           </a:p>
           <a:p>
@@ -8242,7 +8144,7 @@
           <a:p>
             <a:r>
               <a:rPr lang="en-US" dirty="0"/>
-              <a:t>Quantum computing may break RSA</a:t>
+              <a:t>Quantum computing will break RSA</a:t>
             </a:r>
           </a:p>
           <a:p>
